--- a/Prezentare Functionalitati.pptx
+++ b/Prezentare Functionalitati.pptx
@@ -8122,7 +8122,7 @@
         <p:fade thruBlk="1"/>
       </p:transition>
     </mc:Choice>
-    <mc:Fallback xmlns:ahyp="http://schemas.microsoft.com/office/drawing/2018/hyperlinkcolor" xmlns:p15="http://schemas.microsoft.com/office/powerpoint/2012/main" xmlns:com="http://schemas.openxmlformats.org/drawingml/2006/compatibility" xmlns:pvml="urn:schemas-microsoft-com:office:powerpoint" xmlns:v="urn:schemas-microsoft-com:vml" xmlns:o="urn:schemas-microsoft-com:office:office" xmlns:dgm="http://schemas.openxmlformats.org/drawingml/2006/diagram" xmlns:c="http://schemas.openxmlformats.org/drawingml/2006/chart" xmlns:mv="urn:schemas-microsoft-com:mac:vml" xmlns="">
+    <mc:Fallback xmlns="" xmlns:mv="urn:schemas-microsoft-com:mac:vml" xmlns:c="http://schemas.openxmlformats.org/drawingml/2006/chart" xmlns:dgm="http://schemas.openxmlformats.org/drawingml/2006/diagram" xmlns:o="urn:schemas-microsoft-com:office:office" xmlns:v="urn:schemas-microsoft-com:vml" xmlns:pvml="urn:schemas-microsoft-com:office:powerpoint" xmlns:com="http://schemas.openxmlformats.org/drawingml/2006/compatibility" xmlns:p15="http://schemas.microsoft.com/office/powerpoint/2012/main" xmlns:ahyp="http://schemas.microsoft.com/office/drawing/2018/hyperlinkcolor">
       <p:transition spd="slow">
         <p:fade/>
       </p:transition>
@@ -9456,8 +9456,8 @@
               <a:buNone/>
             </a:pPr>
             <a:r>
-              <a:rPr lang="en-US" dirty="0"/>
-              <a:t>Functionalities</a:t>
+              <a:rPr lang="en-US" dirty="0" err="1"/>
+              <a:t>Functionalitati</a:t>
             </a:r>
             <a:endParaRPr dirty="0"/>
           </a:p>
@@ -16243,10 +16243,10 @@
       </p:sp>
       <p:pic>
         <p:nvPicPr>
-          <p:cNvPr id="3" name="Picture 2">
+          <p:cNvPr id="4" name="Picture 3">
             <a:extLst>
               <a:ext uri="{FF2B5EF4-FFF2-40B4-BE49-F238E27FC236}">
-                <a16:creationId xmlns:a16="http://schemas.microsoft.com/office/drawing/2014/main" id="{69CCF270-CD14-00BC-8AA8-4E1AB5FD0BDD}"/>
+                <a16:creationId xmlns:a16="http://schemas.microsoft.com/office/drawing/2014/main" id="{EF49A6CA-3A6D-B52C-9B33-15E2B2CB244D}"/>
               </a:ext>
             </a:extLst>
           </p:cNvPr>
@@ -16263,29 +16263,24 @@
         </p:blipFill>
         <p:spPr>
           <a:xfrm>
-            <a:off x="401367" y="1698363"/>
-            <a:ext cx="4445108" cy="2227396"/>
-          </a:xfrm>
-          <a:prstGeom prst="rect">
-            <a:avLst/>
+            <a:off x="1146406" y="412132"/>
+            <a:ext cx="2875467" cy="4373420"/>
+          </a:xfrm>
+          <a:prstGeom prst="roundRect">
+            <a:avLst>
+              <a:gd name="adj" fmla="val 8594"/>
+            </a:avLst>
           </a:prstGeom>
           <a:solidFill>
-            <a:srgbClr val="000000">
-              <a:shade val="95000"/>
+            <a:srgbClr val="FFFFFF">
+              <a:shade val="85000"/>
             </a:srgbClr>
           </a:solidFill>
-          <a:ln w="444500" cap="sq">
-            <a:solidFill>
-              <a:srgbClr val="000000"/>
-            </a:solidFill>
-            <a:miter lim="800000"/>
+          <a:ln>
+            <a:noFill/>
           </a:ln>
           <a:effectLst>
-            <a:outerShdw blurRad="254000" dist="190500" dir="2700000" sy="90000" algn="bl" rotWithShape="0">
-              <a:srgbClr val="000000">
-                <a:alpha val="40000"/>
-              </a:srgbClr>
-            </a:outerShdw>
+            <a:reflection blurRad="12700" stA="38000" endPos="28000" dist="5000" dir="5400000" sy="-100000" algn="bl" rotWithShape="0"/>
           </a:effectLst>
         </p:spPr>
       </p:pic>
